--- a/documents/OnlineRechargeSystem.pptx
+++ b/documents/OnlineRechargeSystem.pptx
@@ -9505,14 +9505,11 @@
   <p:cSld>
     <p:bg>
       <p:bgPr>
-        <a:pattFill prst="pct25">
-          <a:fgClr>
-            <a:srgbClr val="66A1C9"/>
-          </a:fgClr>
-          <a:bgClr>
-            <a:schemeClr val="bg1"/>
-          </a:bgClr>
-        </a:pattFill>
+        <a:solidFill>
+          <a:schemeClr val="bg1">
+            <a:alpha val="99000"/>
+          </a:schemeClr>
+        </a:solidFill>
         <a:effectLst/>
       </p:bgPr>
     </p:bg>
@@ -13373,6 +13370,20 @@
             <a:ext cx="1521655" cy="1845511"/>
           </a:xfrm>
         </p:spPr>
+        <p:style>
+          <a:lnRef idx="0">
+            <a:schemeClr val="dk1"/>
+          </a:lnRef>
+          <a:fillRef idx="3">
+            <a:schemeClr val="dk1"/>
+          </a:fillRef>
+          <a:effectRef idx="3">
+            <a:schemeClr val="dk1"/>
+          </a:effectRef>
+          <a:fontRef idx="minor">
+            <a:schemeClr val="lt1"/>
+          </a:fontRef>
+        </p:style>
       </p:pic>
       <p:sp>
         <p:nvSpPr>
@@ -13392,7 +13403,7 @@
         </p:nvSpPr>
         <p:spPr>
           <a:xfrm>
-            <a:off x="2173837" y="5083082"/>
+            <a:off x="2209800" y="5040018"/>
             <a:ext cx="2317707" cy="343061"/>
           </a:xfrm>
         </p:spPr>
@@ -13435,7 +13446,15 @@
           <a:p>
             <a:r>
               <a:rPr lang="en-US" dirty="0"/>
-              <a:t>BCA </a:t>
+              <a:t>BCA 5</a:t>
+            </a:r>
+            <a:r>
+              <a:rPr lang="en-US" baseline="30000" dirty="0"/>
+              <a:t>th</a:t>
+            </a:r>
+            <a:r>
+              <a:rPr lang="en-US" dirty="0"/>
+              <a:t> Sem </a:t>
             </a:r>
           </a:p>
         </p:txBody>
@@ -13535,7 +13554,15 @@
           <a:p>
             <a:r>
               <a:rPr lang="en-US" dirty="0"/>
-              <a:t>BCA</a:t>
+              <a:t>BCA 5</a:t>
+            </a:r>
+            <a:r>
+              <a:rPr lang="en-US" baseline="30000" dirty="0"/>
+              <a:t>th</a:t>
+            </a:r>
+            <a:r>
+              <a:rPr lang="en-US" dirty="0"/>
+              <a:t> Sem</a:t>
             </a:r>
           </a:p>
         </p:txBody>
@@ -13592,7 +13619,7 @@
         </p:nvSpPr>
         <p:spPr>
           <a:xfrm>
-            <a:off x="7824485" y="4923016"/>
+            <a:off x="7824483" y="5040017"/>
             <a:ext cx="2317707" cy="343061"/>
           </a:xfrm>
         </p:spPr>
@@ -13625,7 +13652,7 @@
         </p:nvSpPr>
         <p:spPr>
           <a:xfrm>
-            <a:off x="8060582" y="5292583"/>
+            <a:off x="8060580" y="5426142"/>
             <a:ext cx="1845511" cy="343061"/>
           </a:xfrm>
         </p:spPr>
@@ -13635,7 +13662,15 @@
           <a:p>
             <a:r>
               <a:rPr lang="en-US" dirty="0"/>
-              <a:t>BCA</a:t>
+              <a:t>BCA 5</a:t>
+            </a:r>
+            <a:r>
+              <a:rPr lang="en-US" baseline="30000" dirty="0"/>
+              <a:t>th</a:t>
+            </a:r>
+            <a:r>
+              <a:rPr lang="en-US" dirty="0"/>
+              <a:t> Sem</a:t>
             </a:r>
           </a:p>
         </p:txBody>
